--- a/CLISP/apuntes/grafo.pptx
+++ b/CLISP/apuntes/grafo.pptx
@@ -104,6 +104,11 @@
       </a:defRPr>
     </a:lvl9pPr>
   </p:defaultTextStyle>
+  <p:extLst>
+    <p:ext uri="{EFAFB233-063F-42B5-8137-9DF3F51BA10A}">
+      <p15:sldGuideLst xmlns:p15="http://schemas.microsoft.com/office/powerpoint/2012/main"/>
+    </p:ext>
+  </p:extLst>
 </p:presentation>
 </file>
 
@@ -256,7 +261,7 @@
           <a:p>
             <a:fld id="{3E61F796-0755-48E3-8D1B-67F3D476A2BB}" type="datetimeFigureOut">
               <a:rPr lang="es-MX" smtClean="0"/>
-              <a:t>14/09/2023</a:t>
+              <a:t>17/09/2023</a:t>
             </a:fld>
             <a:endParaRPr lang="es-MX"/>
           </a:p>
@@ -456,7 +461,7 @@
           <a:p>
             <a:fld id="{3E61F796-0755-48E3-8D1B-67F3D476A2BB}" type="datetimeFigureOut">
               <a:rPr lang="es-MX" smtClean="0"/>
-              <a:t>14/09/2023</a:t>
+              <a:t>17/09/2023</a:t>
             </a:fld>
             <a:endParaRPr lang="es-MX"/>
           </a:p>
@@ -666,7 +671,7 @@
           <a:p>
             <a:fld id="{3E61F796-0755-48E3-8D1B-67F3D476A2BB}" type="datetimeFigureOut">
               <a:rPr lang="es-MX" smtClean="0"/>
-              <a:t>14/09/2023</a:t>
+              <a:t>17/09/2023</a:t>
             </a:fld>
             <a:endParaRPr lang="es-MX"/>
           </a:p>
@@ -866,7 +871,7 @@
           <a:p>
             <a:fld id="{3E61F796-0755-48E3-8D1B-67F3D476A2BB}" type="datetimeFigureOut">
               <a:rPr lang="es-MX" smtClean="0"/>
-              <a:t>14/09/2023</a:t>
+              <a:t>17/09/2023</a:t>
             </a:fld>
             <a:endParaRPr lang="es-MX"/>
           </a:p>
@@ -1142,7 +1147,7 @@
           <a:p>
             <a:fld id="{3E61F796-0755-48E3-8D1B-67F3D476A2BB}" type="datetimeFigureOut">
               <a:rPr lang="es-MX" smtClean="0"/>
-              <a:t>14/09/2023</a:t>
+              <a:t>17/09/2023</a:t>
             </a:fld>
             <a:endParaRPr lang="es-MX"/>
           </a:p>
@@ -1410,7 +1415,7 @@
           <a:p>
             <a:fld id="{3E61F796-0755-48E3-8D1B-67F3D476A2BB}" type="datetimeFigureOut">
               <a:rPr lang="es-MX" smtClean="0"/>
-              <a:t>14/09/2023</a:t>
+              <a:t>17/09/2023</a:t>
             </a:fld>
             <a:endParaRPr lang="es-MX"/>
           </a:p>
@@ -1825,7 +1830,7 @@
           <a:p>
             <a:fld id="{3E61F796-0755-48E3-8D1B-67F3D476A2BB}" type="datetimeFigureOut">
               <a:rPr lang="es-MX" smtClean="0"/>
-              <a:t>14/09/2023</a:t>
+              <a:t>17/09/2023</a:t>
             </a:fld>
             <a:endParaRPr lang="es-MX"/>
           </a:p>
@@ -1967,7 +1972,7 @@
           <a:p>
             <a:fld id="{3E61F796-0755-48E3-8D1B-67F3D476A2BB}" type="datetimeFigureOut">
               <a:rPr lang="es-MX" smtClean="0"/>
-              <a:t>14/09/2023</a:t>
+              <a:t>17/09/2023</a:t>
             </a:fld>
             <a:endParaRPr lang="es-MX"/>
           </a:p>
@@ -2080,7 +2085,7 @@
           <a:p>
             <a:fld id="{3E61F796-0755-48E3-8D1B-67F3D476A2BB}" type="datetimeFigureOut">
               <a:rPr lang="es-MX" smtClean="0"/>
-              <a:t>14/09/2023</a:t>
+              <a:t>17/09/2023</a:t>
             </a:fld>
             <a:endParaRPr lang="es-MX"/>
           </a:p>
@@ -2393,7 +2398,7 @@
           <a:p>
             <a:fld id="{3E61F796-0755-48E3-8D1B-67F3D476A2BB}" type="datetimeFigureOut">
               <a:rPr lang="es-MX" smtClean="0"/>
-              <a:t>14/09/2023</a:t>
+              <a:t>17/09/2023</a:t>
             </a:fld>
             <a:endParaRPr lang="es-MX"/>
           </a:p>
@@ -2682,7 +2687,7 @@
           <a:p>
             <a:fld id="{3E61F796-0755-48E3-8D1B-67F3D476A2BB}" type="datetimeFigureOut">
               <a:rPr lang="es-MX" smtClean="0"/>
-              <a:t>14/09/2023</a:t>
+              <a:t>17/09/2023</a:t>
             </a:fld>
             <a:endParaRPr lang="es-MX"/>
           </a:p>
@@ -2925,7 +2930,7 @@
           <a:p>
             <a:fld id="{3E61F796-0755-48E3-8D1B-67F3D476A2BB}" type="datetimeFigureOut">
               <a:rPr lang="es-MX" smtClean="0"/>
-              <a:t>14/09/2023</a:t>
+              <a:t>17/09/2023</a:t>
             </a:fld>
             <a:endParaRPr lang="es-MX"/>
           </a:p>
@@ -3454,7 +3459,7 @@
         </p:nvSpPr>
         <p:spPr>
           <a:xfrm>
-            <a:off x="5286461" y="1258349"/>
+            <a:off x="8335513" y="1258349"/>
             <a:ext cx="1619076" cy="629174"/>
           </a:xfrm>
           <a:prstGeom prst="ellipse">
@@ -3485,55 +3490,6 @@
             <a:r>
               <a:rPr lang="es-MX" dirty="0"/>
               <a:t>Noche</a:t>
-            </a:r>
-          </a:p>
-        </p:txBody>
-      </p:sp>
-      <p:sp>
-        <p:nvSpPr>
-          <p:cNvPr id="7" name="Elipse 6">
-            <a:extLst>
-              <a:ext uri="{FF2B5EF4-FFF2-40B4-BE49-F238E27FC236}">
-                <a16:creationId xmlns:a16="http://schemas.microsoft.com/office/drawing/2014/main" id="{C8EA05A6-33BB-4F3A-8A64-FC5B984F52D2}"/>
-              </a:ext>
-            </a:extLst>
-          </p:cNvPr>
-          <p:cNvSpPr/>
-          <p:nvPr/>
-        </p:nvSpPr>
-        <p:spPr>
-          <a:xfrm>
-            <a:off x="10103138" y="1258349"/>
-            <a:ext cx="1619076" cy="629174"/>
-          </a:xfrm>
-          <a:prstGeom prst="ellipse">
-            <a:avLst/>
-          </a:prstGeom>
-        </p:spPr>
-        <p:style>
-          <a:lnRef idx="2">
-            <a:schemeClr val="accent1">
-              <a:shade val="50000"/>
-            </a:schemeClr>
-          </a:lnRef>
-          <a:fillRef idx="1">
-            <a:schemeClr val="accent1"/>
-          </a:fillRef>
-          <a:effectRef idx="0">
-            <a:schemeClr val="accent1"/>
-          </a:effectRef>
-          <a:fontRef idx="minor">
-            <a:schemeClr val="lt1"/>
-          </a:fontRef>
-        </p:style>
-        <p:txBody>
-          <a:bodyPr rtlCol="0" anchor="ctr"/>
-          <a:lstStyle/>
-          <a:p>
-            <a:pPr algn="ctr"/>
-            <a:r>
-              <a:rPr lang="es-MX" dirty="0"/>
-              <a:t>Agua</a:t>
             </a:r>
           </a:p>
         </p:txBody>
@@ -3828,6 +3784,741 @@
             <a:r>
               <a:rPr lang="es-MX" dirty="0"/>
               <a:t>Girasol</a:t>
+            </a:r>
+          </a:p>
+        </p:txBody>
+      </p:sp>
+      <p:sp>
+        <p:nvSpPr>
+          <p:cNvPr id="12" name="Elipse 11">
+            <a:extLst>
+              <a:ext uri="{FF2B5EF4-FFF2-40B4-BE49-F238E27FC236}">
+                <a16:creationId xmlns:a16="http://schemas.microsoft.com/office/drawing/2014/main" id="{0A1CDDD1-EE70-4CE5-AE93-B9DF69071CE7}"/>
+              </a:ext>
+            </a:extLst>
+          </p:cNvPr>
+          <p:cNvSpPr/>
+          <p:nvPr/>
+        </p:nvSpPr>
+        <p:spPr>
+          <a:xfrm>
+            <a:off x="109394" y="3988966"/>
+            <a:ext cx="906010" cy="478174"/>
+          </a:xfrm>
+          <a:prstGeom prst="ellipse">
+            <a:avLst/>
+          </a:prstGeom>
+        </p:spPr>
+        <p:style>
+          <a:lnRef idx="2">
+            <a:schemeClr val="accent1">
+              <a:shade val="50000"/>
+            </a:schemeClr>
+          </a:lnRef>
+          <a:fillRef idx="1">
+            <a:schemeClr val="accent1"/>
+          </a:fillRef>
+          <a:effectRef idx="0">
+            <a:schemeClr val="accent1"/>
+          </a:effectRef>
+          <a:fontRef idx="minor">
+            <a:schemeClr val="lt1"/>
+          </a:fontRef>
+        </p:style>
+        <p:txBody>
+          <a:bodyPr rtlCol="0" anchor="ctr"/>
+          <a:lstStyle/>
+          <a:p>
+            <a:pPr algn="ctr"/>
+            <a:r>
+              <a:rPr lang="es-MX" dirty="0"/>
+              <a:t>Guisante</a:t>
+            </a:r>
+          </a:p>
+        </p:txBody>
+      </p:sp>
+      <p:sp>
+        <p:nvSpPr>
+          <p:cNvPr id="14" name="Elipse 13">
+            <a:extLst>
+              <a:ext uri="{FF2B5EF4-FFF2-40B4-BE49-F238E27FC236}">
+                <a16:creationId xmlns:a16="http://schemas.microsoft.com/office/drawing/2014/main" id="{276460E1-5D4F-40AA-B435-C3D63AD74AA4}"/>
+              </a:ext>
+            </a:extLst>
+          </p:cNvPr>
+          <p:cNvSpPr/>
+          <p:nvPr/>
+        </p:nvSpPr>
+        <p:spPr>
+          <a:xfrm>
+            <a:off x="109394" y="4668474"/>
+            <a:ext cx="906010" cy="1157684"/>
+          </a:xfrm>
+          <a:prstGeom prst="ellipse">
+            <a:avLst/>
+          </a:prstGeom>
+        </p:spPr>
+        <p:style>
+          <a:lnRef idx="2">
+            <a:schemeClr val="accent1">
+              <a:shade val="50000"/>
+            </a:schemeClr>
+          </a:lnRef>
+          <a:fillRef idx="1">
+            <a:schemeClr val="accent1"/>
+          </a:fillRef>
+          <a:effectRef idx="0">
+            <a:schemeClr val="accent1"/>
+          </a:effectRef>
+          <a:fontRef idx="minor">
+            <a:schemeClr val="lt1"/>
+          </a:fontRef>
+        </p:style>
+        <p:txBody>
+          <a:bodyPr rtlCol="0" anchor="ctr"/>
+          <a:lstStyle/>
+          <a:p>
+            <a:pPr algn="ctr"/>
+            <a:r>
+              <a:rPr lang="es-MX" dirty="0"/>
+              <a:t>Guisante doble</a:t>
+            </a:r>
+          </a:p>
+        </p:txBody>
+      </p:sp>
+      <p:sp>
+        <p:nvSpPr>
+          <p:cNvPr id="18" name="Elipse 17">
+            <a:extLst>
+              <a:ext uri="{FF2B5EF4-FFF2-40B4-BE49-F238E27FC236}">
+                <a16:creationId xmlns:a16="http://schemas.microsoft.com/office/drawing/2014/main" id="{27FB56C9-AEF9-4638-A0BF-A8AC80E471BA}"/>
+              </a:ext>
+            </a:extLst>
+          </p:cNvPr>
+          <p:cNvSpPr/>
+          <p:nvPr/>
+        </p:nvSpPr>
+        <p:spPr>
+          <a:xfrm>
+            <a:off x="1136014" y="3988966"/>
+            <a:ext cx="900416" cy="478174"/>
+          </a:xfrm>
+          <a:prstGeom prst="ellipse">
+            <a:avLst/>
+          </a:prstGeom>
+        </p:spPr>
+        <p:style>
+          <a:lnRef idx="2">
+            <a:schemeClr val="accent1">
+              <a:shade val="50000"/>
+            </a:schemeClr>
+          </a:lnRef>
+          <a:fillRef idx="1">
+            <a:schemeClr val="accent1"/>
+          </a:fillRef>
+          <a:effectRef idx="0">
+            <a:schemeClr val="accent1"/>
+          </a:effectRef>
+          <a:fontRef idx="minor">
+            <a:schemeClr val="lt1"/>
+          </a:fontRef>
+        </p:style>
+        <p:txBody>
+          <a:bodyPr rtlCol="0" anchor="ctr"/>
+          <a:lstStyle/>
+          <a:p>
+            <a:pPr algn="ctr"/>
+            <a:r>
+              <a:rPr lang="es-MX" dirty="0"/>
+              <a:t>papa</a:t>
+            </a:r>
+          </a:p>
+        </p:txBody>
+      </p:sp>
+      <p:sp>
+        <p:nvSpPr>
+          <p:cNvPr id="19" name="Elipse 18">
+            <a:extLst>
+              <a:ext uri="{FF2B5EF4-FFF2-40B4-BE49-F238E27FC236}">
+                <a16:creationId xmlns:a16="http://schemas.microsoft.com/office/drawing/2014/main" id="{70CDA455-5C74-4D29-A21F-6555BB6D8700}"/>
+              </a:ext>
+            </a:extLst>
+          </p:cNvPr>
+          <p:cNvSpPr/>
+          <p:nvPr/>
+        </p:nvSpPr>
+        <p:spPr>
+          <a:xfrm>
+            <a:off x="1134922" y="4784551"/>
+            <a:ext cx="900416" cy="731666"/>
+          </a:xfrm>
+          <a:prstGeom prst="ellipse">
+            <a:avLst/>
+          </a:prstGeom>
+        </p:spPr>
+        <p:style>
+          <a:lnRef idx="2">
+            <a:schemeClr val="accent1">
+              <a:shade val="50000"/>
+            </a:schemeClr>
+          </a:lnRef>
+          <a:fillRef idx="1">
+            <a:schemeClr val="accent1"/>
+          </a:fillRef>
+          <a:effectRef idx="0">
+            <a:schemeClr val="accent1"/>
+          </a:effectRef>
+          <a:fontRef idx="minor">
+            <a:schemeClr val="lt1"/>
+          </a:fontRef>
+        </p:style>
+        <p:txBody>
+          <a:bodyPr rtlCol="0" anchor="ctr"/>
+          <a:lstStyle/>
+          <a:p>
+            <a:pPr algn="ctr"/>
+            <a:r>
+              <a:rPr lang="es-MX" dirty="0"/>
+              <a:t>Jalapeño</a:t>
+            </a:r>
+          </a:p>
+        </p:txBody>
+      </p:sp>
+      <p:sp>
+        <p:nvSpPr>
+          <p:cNvPr id="20" name="Elipse 19">
+            <a:extLst>
+              <a:ext uri="{FF2B5EF4-FFF2-40B4-BE49-F238E27FC236}">
+                <a16:creationId xmlns:a16="http://schemas.microsoft.com/office/drawing/2014/main" id="{FB3AF10F-4B15-46C5-8A86-4EBC1A89FE26}"/>
+              </a:ext>
+            </a:extLst>
+          </p:cNvPr>
+          <p:cNvSpPr/>
+          <p:nvPr/>
+        </p:nvSpPr>
+        <p:spPr>
+          <a:xfrm>
+            <a:off x="2172755" y="3994984"/>
+            <a:ext cx="973117" cy="478174"/>
+          </a:xfrm>
+          <a:prstGeom prst="ellipse">
+            <a:avLst/>
+          </a:prstGeom>
+        </p:spPr>
+        <p:style>
+          <a:lnRef idx="2">
+            <a:schemeClr val="accent1">
+              <a:shade val="50000"/>
+            </a:schemeClr>
+          </a:lnRef>
+          <a:fillRef idx="1">
+            <a:schemeClr val="accent1"/>
+          </a:fillRef>
+          <a:effectRef idx="0">
+            <a:schemeClr val="accent1"/>
+          </a:effectRef>
+          <a:fontRef idx="minor">
+            <a:schemeClr val="lt1"/>
+          </a:fontRef>
+        </p:style>
+        <p:txBody>
+          <a:bodyPr rtlCol="0" anchor="ctr"/>
+          <a:lstStyle/>
+          <a:p>
+            <a:pPr algn="ctr"/>
+            <a:r>
+              <a:rPr lang="es-MX" dirty="0"/>
+              <a:t>Nuez</a:t>
+            </a:r>
+          </a:p>
+        </p:txBody>
+      </p:sp>
+      <p:sp>
+        <p:nvSpPr>
+          <p:cNvPr id="21" name="Elipse 20">
+            <a:extLst>
+              <a:ext uri="{FF2B5EF4-FFF2-40B4-BE49-F238E27FC236}">
+                <a16:creationId xmlns:a16="http://schemas.microsoft.com/office/drawing/2014/main" id="{B7A3DE89-447B-4332-A8C6-FCBF1749E098}"/>
+              </a:ext>
+            </a:extLst>
+          </p:cNvPr>
+          <p:cNvSpPr/>
+          <p:nvPr/>
+        </p:nvSpPr>
+        <p:spPr>
+          <a:xfrm>
+            <a:off x="7035219" y="2000774"/>
+            <a:ext cx="1300294" cy="629174"/>
+          </a:xfrm>
+          <a:prstGeom prst="ellipse">
+            <a:avLst/>
+          </a:prstGeom>
+        </p:spPr>
+        <p:style>
+          <a:lnRef idx="2">
+            <a:schemeClr val="accent1">
+              <a:shade val="50000"/>
+            </a:schemeClr>
+          </a:lnRef>
+          <a:fillRef idx="1">
+            <a:schemeClr val="accent1"/>
+          </a:fillRef>
+          <a:effectRef idx="0">
+            <a:schemeClr val="accent1"/>
+          </a:effectRef>
+          <a:fontRef idx="minor">
+            <a:schemeClr val="lt1"/>
+          </a:fontRef>
+        </p:style>
+        <p:txBody>
+          <a:bodyPr rtlCol="0" anchor="ctr"/>
+          <a:lstStyle/>
+          <a:p>
+            <a:pPr algn="ctr"/>
+            <a:r>
+              <a:rPr lang="es-MX" dirty="0"/>
+              <a:t>Ataca</a:t>
+            </a:r>
+          </a:p>
+        </p:txBody>
+      </p:sp>
+      <p:sp>
+        <p:nvSpPr>
+          <p:cNvPr id="22" name="Elipse 21">
+            <a:extLst>
+              <a:ext uri="{FF2B5EF4-FFF2-40B4-BE49-F238E27FC236}">
+                <a16:creationId xmlns:a16="http://schemas.microsoft.com/office/drawing/2014/main" id="{84B6ABAF-2AEA-46F0-A11A-43A82CA0DD57}"/>
+              </a:ext>
+            </a:extLst>
+          </p:cNvPr>
+          <p:cNvSpPr/>
+          <p:nvPr/>
+        </p:nvSpPr>
+        <p:spPr>
+          <a:xfrm>
+            <a:off x="10345024" y="2000774"/>
+            <a:ext cx="1300294" cy="629174"/>
+          </a:xfrm>
+          <a:prstGeom prst="ellipse">
+            <a:avLst/>
+          </a:prstGeom>
+        </p:spPr>
+        <p:style>
+          <a:lnRef idx="2">
+            <a:schemeClr val="accent1">
+              <a:shade val="50000"/>
+            </a:schemeClr>
+          </a:lnRef>
+          <a:fillRef idx="1">
+            <a:schemeClr val="accent1"/>
+          </a:fillRef>
+          <a:effectRef idx="0">
+            <a:schemeClr val="accent1"/>
+          </a:effectRef>
+          <a:fontRef idx="minor">
+            <a:schemeClr val="lt1"/>
+          </a:fontRef>
+        </p:style>
+        <p:txBody>
+          <a:bodyPr rtlCol="0" anchor="ctr"/>
+          <a:lstStyle/>
+          <a:p>
+            <a:pPr algn="ctr"/>
+            <a:r>
+              <a:rPr lang="es-MX" dirty="0"/>
+              <a:t>Da soles</a:t>
+            </a:r>
+          </a:p>
+        </p:txBody>
+      </p:sp>
+      <p:sp>
+        <p:nvSpPr>
+          <p:cNvPr id="23" name="Elipse 22">
+            <a:extLst>
+              <a:ext uri="{FF2B5EF4-FFF2-40B4-BE49-F238E27FC236}">
+                <a16:creationId xmlns:a16="http://schemas.microsoft.com/office/drawing/2014/main" id="{1FD39A9C-CCFB-430A-8972-9A4DDEEDDFF6}"/>
+              </a:ext>
+            </a:extLst>
+          </p:cNvPr>
+          <p:cNvSpPr/>
+          <p:nvPr/>
+        </p:nvSpPr>
+        <p:spPr>
+          <a:xfrm>
+            <a:off x="6202003" y="3066174"/>
+            <a:ext cx="906010" cy="478174"/>
+          </a:xfrm>
+          <a:prstGeom prst="ellipse">
+            <a:avLst/>
+          </a:prstGeom>
+        </p:spPr>
+        <p:style>
+          <a:lnRef idx="2">
+            <a:schemeClr val="accent1">
+              <a:shade val="50000"/>
+            </a:schemeClr>
+          </a:lnRef>
+          <a:fillRef idx="1">
+            <a:schemeClr val="accent1"/>
+          </a:fillRef>
+          <a:effectRef idx="0">
+            <a:schemeClr val="accent1"/>
+          </a:effectRef>
+          <a:fontRef idx="minor">
+            <a:schemeClr val="lt1"/>
+          </a:fontRef>
+        </p:style>
+        <p:txBody>
+          <a:bodyPr rtlCol="0" anchor="ctr"/>
+          <a:lstStyle/>
+          <a:p>
+            <a:pPr algn="ctr"/>
+            <a:r>
+              <a:rPr lang="es-MX" dirty="0"/>
+              <a:t>Dispara</a:t>
+            </a:r>
+          </a:p>
+        </p:txBody>
+      </p:sp>
+      <p:sp>
+        <p:nvSpPr>
+          <p:cNvPr id="24" name="Elipse 23">
+            <a:extLst>
+              <a:ext uri="{FF2B5EF4-FFF2-40B4-BE49-F238E27FC236}">
+                <a16:creationId xmlns:a16="http://schemas.microsoft.com/office/drawing/2014/main" id="{0A9B5795-A1AA-4DC4-8511-BD46BFA0088B}"/>
+              </a:ext>
+            </a:extLst>
+          </p:cNvPr>
+          <p:cNvSpPr/>
+          <p:nvPr/>
+        </p:nvSpPr>
+        <p:spPr>
+          <a:xfrm>
+            <a:off x="7244338" y="3061979"/>
+            <a:ext cx="900416" cy="478174"/>
+          </a:xfrm>
+          <a:prstGeom prst="ellipse">
+            <a:avLst/>
+          </a:prstGeom>
+        </p:spPr>
+        <p:style>
+          <a:lnRef idx="2">
+            <a:schemeClr val="accent1">
+              <a:shade val="50000"/>
+            </a:schemeClr>
+          </a:lnRef>
+          <a:fillRef idx="1">
+            <a:schemeClr val="accent1"/>
+          </a:fillRef>
+          <a:effectRef idx="0">
+            <a:schemeClr val="accent1"/>
+          </a:effectRef>
+          <a:fontRef idx="minor">
+            <a:schemeClr val="lt1"/>
+          </a:fontRef>
+        </p:style>
+        <p:txBody>
+          <a:bodyPr rtlCol="0" anchor="ctr"/>
+          <a:lstStyle/>
+          <a:p>
+            <a:pPr algn="ctr"/>
+            <a:r>
+              <a:rPr lang="es-MX" dirty="0"/>
+              <a:t>Explota</a:t>
+            </a:r>
+          </a:p>
+        </p:txBody>
+      </p:sp>
+      <p:sp>
+        <p:nvSpPr>
+          <p:cNvPr id="25" name="Elipse 24">
+            <a:extLst>
+              <a:ext uri="{FF2B5EF4-FFF2-40B4-BE49-F238E27FC236}">
+                <a16:creationId xmlns:a16="http://schemas.microsoft.com/office/drawing/2014/main" id="{149C8646-2C7F-49B0-B619-89340B523F64}"/>
+              </a:ext>
+            </a:extLst>
+          </p:cNvPr>
+          <p:cNvSpPr/>
+          <p:nvPr/>
+        </p:nvSpPr>
+        <p:spPr>
+          <a:xfrm>
+            <a:off x="8281079" y="3061979"/>
+            <a:ext cx="973117" cy="478174"/>
+          </a:xfrm>
+          <a:prstGeom prst="ellipse">
+            <a:avLst/>
+          </a:prstGeom>
+        </p:spPr>
+        <p:style>
+          <a:lnRef idx="2">
+            <a:schemeClr val="accent1">
+              <a:shade val="50000"/>
+            </a:schemeClr>
+          </a:lnRef>
+          <a:fillRef idx="1">
+            <a:schemeClr val="accent1"/>
+          </a:fillRef>
+          <a:effectRef idx="0">
+            <a:schemeClr val="accent1"/>
+          </a:effectRef>
+          <a:fontRef idx="minor">
+            <a:schemeClr val="lt1"/>
+          </a:fontRef>
+        </p:style>
+        <p:txBody>
+          <a:bodyPr rtlCol="0" anchor="ctr"/>
+          <a:lstStyle/>
+          <a:p>
+            <a:pPr algn="ctr"/>
+            <a:r>
+              <a:rPr lang="es-MX" dirty="0"/>
+              <a:t>Defiende</a:t>
+            </a:r>
+          </a:p>
+        </p:txBody>
+      </p:sp>
+      <p:sp>
+        <p:nvSpPr>
+          <p:cNvPr id="26" name="Elipse 25">
+            <a:extLst>
+              <a:ext uri="{FF2B5EF4-FFF2-40B4-BE49-F238E27FC236}">
+                <a16:creationId xmlns:a16="http://schemas.microsoft.com/office/drawing/2014/main" id="{723B3D19-499B-45FB-83DB-DB2DCF874E5B}"/>
+              </a:ext>
+            </a:extLst>
+          </p:cNvPr>
+          <p:cNvSpPr/>
+          <p:nvPr/>
+        </p:nvSpPr>
+        <p:spPr>
+          <a:xfrm>
+            <a:off x="10569427" y="3070368"/>
+            <a:ext cx="973117" cy="1044431"/>
+          </a:xfrm>
+          <a:prstGeom prst="ellipse">
+            <a:avLst/>
+          </a:prstGeom>
+        </p:spPr>
+        <p:style>
+          <a:lnRef idx="2">
+            <a:schemeClr val="accent1">
+              <a:shade val="50000"/>
+            </a:schemeClr>
+          </a:lnRef>
+          <a:fillRef idx="1">
+            <a:schemeClr val="accent1"/>
+          </a:fillRef>
+          <a:effectRef idx="0">
+            <a:schemeClr val="accent1"/>
+          </a:effectRef>
+          <a:fontRef idx="minor">
+            <a:schemeClr val="lt1"/>
+          </a:fontRef>
+        </p:style>
+        <p:txBody>
+          <a:bodyPr rtlCol="0" anchor="ctr"/>
+          <a:lstStyle/>
+          <a:p>
+            <a:pPr algn="ctr"/>
+            <a:r>
+              <a:rPr lang="es-MX" dirty="0"/>
+              <a:t>Hongo dorado</a:t>
+            </a:r>
+          </a:p>
+        </p:txBody>
+      </p:sp>
+      <p:sp>
+        <p:nvSpPr>
+          <p:cNvPr id="27" name="Elipse 26">
+            <a:extLst>
+              <a:ext uri="{FF2B5EF4-FFF2-40B4-BE49-F238E27FC236}">
+                <a16:creationId xmlns:a16="http://schemas.microsoft.com/office/drawing/2014/main" id="{D583EA65-9365-4417-B7D4-AFD9F0603831}"/>
+              </a:ext>
+            </a:extLst>
+          </p:cNvPr>
+          <p:cNvSpPr/>
+          <p:nvPr/>
+        </p:nvSpPr>
+        <p:spPr>
+          <a:xfrm>
+            <a:off x="6240074" y="3988966"/>
+            <a:ext cx="906010" cy="478174"/>
+          </a:xfrm>
+          <a:prstGeom prst="ellipse">
+            <a:avLst/>
+          </a:prstGeom>
+        </p:spPr>
+        <p:style>
+          <a:lnRef idx="2">
+            <a:schemeClr val="accent1">
+              <a:shade val="50000"/>
+            </a:schemeClr>
+          </a:lnRef>
+          <a:fillRef idx="1">
+            <a:schemeClr val="accent1"/>
+          </a:fillRef>
+          <a:effectRef idx="0">
+            <a:schemeClr val="accent1"/>
+          </a:effectRef>
+          <a:fontRef idx="minor">
+            <a:schemeClr val="lt1"/>
+          </a:fontRef>
+        </p:style>
+        <p:txBody>
+          <a:bodyPr rtlCol="0" anchor="ctr"/>
+          <a:lstStyle/>
+          <a:p>
+            <a:pPr algn="ctr"/>
+            <a:r>
+              <a:rPr lang="es-MX" dirty="0"/>
+              <a:t>Zeta</a:t>
+            </a:r>
+          </a:p>
+        </p:txBody>
+      </p:sp>
+      <p:sp>
+        <p:nvSpPr>
+          <p:cNvPr id="28" name="Elipse 27">
+            <a:extLst>
+              <a:ext uri="{FF2B5EF4-FFF2-40B4-BE49-F238E27FC236}">
+                <a16:creationId xmlns:a16="http://schemas.microsoft.com/office/drawing/2014/main" id="{95901F47-8F48-4CD4-BB8A-BABB3C421BAE}"/>
+              </a:ext>
+            </a:extLst>
+          </p:cNvPr>
+          <p:cNvSpPr/>
+          <p:nvPr/>
+        </p:nvSpPr>
+        <p:spPr>
+          <a:xfrm>
+            <a:off x="6240074" y="4672671"/>
+            <a:ext cx="906010" cy="478174"/>
+          </a:xfrm>
+          <a:prstGeom prst="ellipse">
+            <a:avLst/>
+          </a:prstGeom>
+        </p:spPr>
+        <p:style>
+          <a:lnRef idx="2">
+            <a:schemeClr val="accent1">
+              <a:shade val="50000"/>
+            </a:schemeClr>
+          </a:lnRef>
+          <a:fillRef idx="1">
+            <a:schemeClr val="accent1"/>
+          </a:fillRef>
+          <a:effectRef idx="0">
+            <a:schemeClr val="accent1"/>
+          </a:effectRef>
+          <a:fontRef idx="minor">
+            <a:schemeClr val="lt1"/>
+          </a:fontRef>
+        </p:style>
+        <p:txBody>
+          <a:bodyPr rtlCol="0" anchor="ctr"/>
+          <a:lstStyle/>
+          <a:p>
+            <a:pPr algn="ctr"/>
+            <a:r>
+              <a:rPr lang="es-MX" dirty="0"/>
+              <a:t>Zeta alta</a:t>
+            </a:r>
+          </a:p>
+        </p:txBody>
+      </p:sp>
+      <p:sp>
+        <p:nvSpPr>
+          <p:cNvPr id="29" name="Elipse 28">
+            <a:extLst>
+              <a:ext uri="{FF2B5EF4-FFF2-40B4-BE49-F238E27FC236}">
+                <a16:creationId xmlns:a16="http://schemas.microsoft.com/office/drawing/2014/main" id="{20B5D79A-F1F4-4B49-9E6A-585E45B2816D}"/>
+              </a:ext>
+            </a:extLst>
+          </p:cNvPr>
+          <p:cNvSpPr/>
+          <p:nvPr/>
+        </p:nvSpPr>
+        <p:spPr>
+          <a:xfrm>
+            <a:off x="7244338" y="3988965"/>
+            <a:ext cx="900416" cy="1157683"/>
+          </a:xfrm>
+          <a:prstGeom prst="ellipse">
+            <a:avLst/>
+          </a:prstGeom>
+        </p:spPr>
+        <p:style>
+          <a:lnRef idx="2">
+            <a:schemeClr val="accent1">
+              <a:shade val="50000"/>
+            </a:schemeClr>
+          </a:lnRef>
+          <a:fillRef idx="1">
+            <a:schemeClr val="accent1"/>
+          </a:fillRef>
+          <a:effectRef idx="0">
+            <a:schemeClr val="accent1"/>
+          </a:effectRef>
+          <a:fontRef idx="minor">
+            <a:schemeClr val="lt1"/>
+          </a:fontRef>
+        </p:style>
+        <p:txBody>
+          <a:bodyPr rtlCol="0" anchor="ctr"/>
+          <a:lstStyle/>
+          <a:p>
+            <a:pPr algn="ctr"/>
+            <a:r>
+              <a:rPr lang="es-MX" dirty="0"/>
+              <a:t>Hongo nuclear</a:t>
+            </a:r>
+          </a:p>
+        </p:txBody>
+      </p:sp>
+      <p:sp>
+        <p:nvSpPr>
+          <p:cNvPr id="30" name="Elipse 29">
+            <a:extLst>
+              <a:ext uri="{FF2B5EF4-FFF2-40B4-BE49-F238E27FC236}">
+                <a16:creationId xmlns:a16="http://schemas.microsoft.com/office/drawing/2014/main" id="{885AA317-CE18-41C8-BC5E-DA468CBB52AD}"/>
+              </a:ext>
+            </a:extLst>
+          </p:cNvPr>
+          <p:cNvSpPr/>
+          <p:nvPr/>
+        </p:nvSpPr>
+        <p:spPr>
+          <a:xfrm>
+            <a:off x="8281079" y="4002828"/>
+            <a:ext cx="973117" cy="478174"/>
+          </a:xfrm>
+          <a:prstGeom prst="ellipse">
+            <a:avLst/>
+          </a:prstGeom>
+        </p:spPr>
+        <p:style>
+          <a:lnRef idx="2">
+            <a:schemeClr val="accent1">
+              <a:shade val="50000"/>
+            </a:schemeClr>
+          </a:lnRef>
+          <a:fillRef idx="1">
+            <a:schemeClr val="accent1"/>
+          </a:fillRef>
+          <a:effectRef idx="0">
+            <a:schemeClr val="accent1"/>
+          </a:effectRef>
+          <a:fontRef idx="minor">
+            <a:schemeClr val="lt1"/>
+          </a:fontRef>
+        </p:style>
+        <p:txBody>
+          <a:bodyPr rtlCol="0" anchor="ctr"/>
+          <a:lstStyle/>
+          <a:p>
+            <a:pPr algn="ctr"/>
+            <a:r>
+              <a:rPr lang="es-MX" dirty="0"/>
+              <a:t>Calabaza</a:t>
             </a:r>
           </a:p>
         </p:txBody>
